--- a/Design/WebsiteDesigns.pptx
+++ b/Design/WebsiteDesigns.pptx
@@ -6,9 +6,12 @@
   </p:sldMasterIdLst>
   <p:sldIdLst>
     <p:sldId id="256" r:id="rId2"/>
-    <p:sldId id="257" r:id="rId3"/>
-    <p:sldId id="259" r:id="rId4"/>
-    <p:sldId id="258" r:id="rId5"/>
+    <p:sldId id="260" r:id="rId3"/>
+    <p:sldId id="262" r:id="rId4"/>
+    <p:sldId id="261" r:id="rId5"/>
+    <p:sldId id="257" r:id="rId6"/>
+    <p:sldId id="259" r:id="rId7"/>
+    <p:sldId id="258" r:id="rId8"/>
   </p:sldIdLst>
   <p:sldSz cx="12192000" cy="6858000"/>
   <p:notesSz cx="6858000" cy="9144000"/>
@@ -264,7 +267,7 @@
           <a:p>
             <a:fld id="{A2D8AE22-DADE-421D-BF4C-5A6D57D3591D}" type="datetimeFigureOut">
               <a:rPr lang="en-GB" smtClean="0"/>
-              <a:t>27/08/2021</a:t>
+              <a:t>18/10/2021</a:t>
             </a:fld>
             <a:endParaRPr lang="en-GB"/>
           </a:p>
@@ -464,7 +467,7 @@
           <a:p>
             <a:fld id="{A2D8AE22-DADE-421D-BF4C-5A6D57D3591D}" type="datetimeFigureOut">
               <a:rPr lang="en-GB" smtClean="0"/>
-              <a:t>27/08/2021</a:t>
+              <a:t>18/10/2021</a:t>
             </a:fld>
             <a:endParaRPr lang="en-GB"/>
           </a:p>
@@ -674,7 +677,7 @@
           <a:p>
             <a:fld id="{A2D8AE22-DADE-421D-BF4C-5A6D57D3591D}" type="datetimeFigureOut">
               <a:rPr lang="en-GB" smtClean="0"/>
-              <a:t>27/08/2021</a:t>
+              <a:t>18/10/2021</a:t>
             </a:fld>
             <a:endParaRPr lang="en-GB"/>
           </a:p>
@@ -874,7 +877,7 @@
           <a:p>
             <a:fld id="{A2D8AE22-DADE-421D-BF4C-5A6D57D3591D}" type="datetimeFigureOut">
               <a:rPr lang="en-GB" smtClean="0"/>
-              <a:t>27/08/2021</a:t>
+              <a:t>18/10/2021</a:t>
             </a:fld>
             <a:endParaRPr lang="en-GB"/>
           </a:p>
@@ -1150,7 +1153,7 @@
           <a:p>
             <a:fld id="{A2D8AE22-DADE-421D-BF4C-5A6D57D3591D}" type="datetimeFigureOut">
               <a:rPr lang="en-GB" smtClean="0"/>
-              <a:t>27/08/2021</a:t>
+              <a:t>18/10/2021</a:t>
             </a:fld>
             <a:endParaRPr lang="en-GB"/>
           </a:p>
@@ -1418,7 +1421,7 @@
           <a:p>
             <a:fld id="{A2D8AE22-DADE-421D-BF4C-5A6D57D3591D}" type="datetimeFigureOut">
               <a:rPr lang="en-GB" smtClean="0"/>
-              <a:t>27/08/2021</a:t>
+              <a:t>18/10/2021</a:t>
             </a:fld>
             <a:endParaRPr lang="en-GB"/>
           </a:p>
@@ -1833,7 +1836,7 @@
           <a:p>
             <a:fld id="{A2D8AE22-DADE-421D-BF4C-5A6D57D3591D}" type="datetimeFigureOut">
               <a:rPr lang="en-GB" smtClean="0"/>
-              <a:t>27/08/2021</a:t>
+              <a:t>18/10/2021</a:t>
             </a:fld>
             <a:endParaRPr lang="en-GB"/>
           </a:p>
@@ -1975,7 +1978,7 @@
           <a:p>
             <a:fld id="{A2D8AE22-DADE-421D-BF4C-5A6D57D3591D}" type="datetimeFigureOut">
               <a:rPr lang="en-GB" smtClean="0"/>
-              <a:t>27/08/2021</a:t>
+              <a:t>18/10/2021</a:t>
             </a:fld>
             <a:endParaRPr lang="en-GB"/>
           </a:p>
@@ -2088,7 +2091,7 @@
           <a:p>
             <a:fld id="{A2D8AE22-DADE-421D-BF4C-5A6D57D3591D}" type="datetimeFigureOut">
               <a:rPr lang="en-GB" smtClean="0"/>
-              <a:t>27/08/2021</a:t>
+              <a:t>18/10/2021</a:t>
             </a:fld>
             <a:endParaRPr lang="en-GB"/>
           </a:p>
@@ -2401,7 +2404,7 @@
           <a:p>
             <a:fld id="{A2D8AE22-DADE-421D-BF4C-5A6D57D3591D}" type="datetimeFigureOut">
               <a:rPr lang="en-GB" smtClean="0"/>
-              <a:t>27/08/2021</a:t>
+              <a:t>18/10/2021</a:t>
             </a:fld>
             <a:endParaRPr lang="en-GB"/>
           </a:p>
@@ -2690,7 +2693,7 @@
           <a:p>
             <a:fld id="{A2D8AE22-DADE-421D-BF4C-5A6D57D3591D}" type="datetimeFigureOut">
               <a:rPr lang="en-GB" smtClean="0"/>
-              <a:t>27/08/2021</a:t>
+              <a:t>18/10/2021</a:t>
             </a:fld>
             <a:endParaRPr lang="en-GB"/>
           </a:p>
@@ -2933,7 +2936,7 @@
           <a:p>
             <a:fld id="{A2D8AE22-DADE-421D-BF4C-5A6D57D3591D}" type="datetimeFigureOut">
               <a:rPr lang="en-GB" smtClean="0"/>
-              <a:t>27/08/2021</a:t>
+              <a:t>18/10/2021</a:t>
             </a:fld>
             <a:endParaRPr lang="en-GB"/>
           </a:p>
@@ -3396,7 +3399,7 @@
           <a:bodyPr/>
           <a:lstStyle/>
           <a:p>
-            <a:endParaRPr lang="en-GB"/>
+            <a:endParaRPr lang="en-GB" dirty="0"/>
           </a:p>
         </p:txBody>
       </p:sp>
@@ -3414,6 +3417,728 @@
 </file>
 
 <file path=ppt/slides/slide2.xml><?xml version="1.0" encoding="utf-8"?>
+<p:sld xmlns:a="http://schemas.openxmlformats.org/drawingml/2006/main" xmlns:r="http://schemas.openxmlformats.org/officeDocument/2006/relationships" xmlns:p="http://schemas.openxmlformats.org/presentationml/2006/main">
+  <p:cSld>
+    <p:spTree>
+      <p:nvGrpSpPr>
+        <p:cNvPr id="1" name=""/>
+        <p:cNvGrpSpPr/>
+        <p:nvPr/>
+      </p:nvGrpSpPr>
+      <p:grpSpPr>
+        <a:xfrm>
+          <a:off x="0" y="0"/>
+          <a:ext cx="0" cy="0"/>
+          <a:chOff x="0" y="0"/>
+          <a:chExt cx="0" cy="0"/>
+        </a:xfrm>
+      </p:grpSpPr>
+      <p:sp>
+        <p:nvSpPr>
+          <p:cNvPr id="2" name="Title 1">
+            <a:extLst>
+              <a:ext uri="{FF2B5EF4-FFF2-40B4-BE49-F238E27FC236}">
+                <a16:creationId xmlns:a16="http://schemas.microsoft.com/office/drawing/2014/main" id="{B796FC36-5DAB-47ED-8427-2E261B7F62A3}"/>
+              </a:ext>
+            </a:extLst>
+          </p:cNvPr>
+          <p:cNvSpPr>
+            <a:spLocks noGrp="1"/>
+          </p:cNvSpPr>
+          <p:nvPr>
+            <p:ph type="title"/>
+          </p:nvPr>
+        </p:nvSpPr>
+        <p:spPr/>
+        <p:txBody>
+          <a:bodyPr/>
+          <a:lstStyle/>
+          <a:p>
+            <a:endParaRPr lang="en-GB" dirty="0"/>
+          </a:p>
+        </p:txBody>
+      </p:sp>
+      <p:sp>
+        <p:nvSpPr>
+          <p:cNvPr id="3" name="Content Placeholder 2">
+            <a:extLst>
+              <a:ext uri="{FF2B5EF4-FFF2-40B4-BE49-F238E27FC236}">
+                <a16:creationId xmlns:a16="http://schemas.microsoft.com/office/drawing/2014/main" id="{D2FD5704-25ED-4828-9FBB-2AF94D9AE0A7}"/>
+              </a:ext>
+            </a:extLst>
+          </p:cNvPr>
+          <p:cNvSpPr>
+            <a:spLocks noGrp="1"/>
+          </p:cNvSpPr>
+          <p:nvPr>
+            <p:ph idx="1"/>
+          </p:nvPr>
+        </p:nvSpPr>
+        <p:spPr/>
+        <p:txBody>
+          <a:bodyPr/>
+          <a:lstStyle/>
+          <a:p>
+            <a:endParaRPr lang="en-GB"/>
+          </a:p>
+        </p:txBody>
+      </p:sp>
+    </p:spTree>
+    <p:extLst>
+      <p:ext uri="{BB962C8B-B14F-4D97-AF65-F5344CB8AC3E}">
+        <p14:creationId xmlns:p14="http://schemas.microsoft.com/office/powerpoint/2010/main" val="1550589490"/>
+      </p:ext>
+    </p:extLst>
+  </p:cSld>
+  <p:clrMapOvr>
+    <a:masterClrMapping/>
+  </p:clrMapOvr>
+</p:sld>
+</file>
+
+<file path=ppt/slides/slide3.xml><?xml version="1.0" encoding="utf-8"?>
+<p:sld xmlns:a="http://schemas.openxmlformats.org/drawingml/2006/main" xmlns:r="http://schemas.openxmlformats.org/officeDocument/2006/relationships" xmlns:p="http://schemas.openxmlformats.org/presentationml/2006/main">
+  <p:cSld>
+    <p:spTree>
+      <p:nvGrpSpPr>
+        <p:cNvPr id="1" name=""/>
+        <p:cNvGrpSpPr/>
+        <p:nvPr/>
+      </p:nvGrpSpPr>
+      <p:grpSpPr>
+        <a:xfrm>
+          <a:off x="0" y="0"/>
+          <a:ext cx="0" cy="0"/>
+          <a:chOff x="0" y="0"/>
+          <a:chExt cx="0" cy="0"/>
+        </a:xfrm>
+      </p:grpSpPr>
+      <p:sp>
+        <p:nvSpPr>
+          <p:cNvPr id="11" name="Rectangle 10">
+            <a:extLst>
+              <a:ext uri="{FF2B5EF4-FFF2-40B4-BE49-F238E27FC236}">
+                <a16:creationId xmlns:a16="http://schemas.microsoft.com/office/drawing/2014/main" id="{8DEC2AB1-E2C5-4D2E-8007-5BF8124ED727}"/>
+              </a:ext>
+            </a:extLst>
+          </p:cNvPr>
+          <p:cNvSpPr/>
+          <p:nvPr/>
+        </p:nvSpPr>
+        <p:spPr>
+          <a:xfrm>
+            <a:off x="666350" y="729000"/>
+            <a:ext cx="5571968" cy="278598"/>
+          </a:xfrm>
+          <a:prstGeom prst="rect">
+            <a:avLst/>
+          </a:prstGeom>
+          <a:solidFill>
+            <a:schemeClr val="bg2"/>
+          </a:solidFill>
+          <a:ln>
+            <a:noFill/>
+          </a:ln>
+        </p:spPr>
+        <p:style>
+          <a:lnRef idx="2">
+            <a:schemeClr val="accent1">
+              <a:shade val="50000"/>
+            </a:schemeClr>
+          </a:lnRef>
+          <a:fillRef idx="1">
+            <a:schemeClr val="accent1"/>
+          </a:fillRef>
+          <a:effectRef idx="0">
+            <a:schemeClr val="accent1"/>
+          </a:effectRef>
+          <a:fontRef idx="minor">
+            <a:schemeClr val="lt1"/>
+          </a:fontRef>
+        </p:style>
+        <p:txBody>
+          <a:bodyPr rtlCol="0" anchor="ctr"/>
+          <a:lstStyle/>
+          <a:p>
+            <a:pPr algn="ctr"/>
+            <a:endParaRPr lang="en-GB" dirty="0"/>
+          </a:p>
+        </p:txBody>
+      </p:sp>
+      <p:sp>
+        <p:nvSpPr>
+          <p:cNvPr id="18" name="Rectangle 17">
+            <a:extLst>
+              <a:ext uri="{FF2B5EF4-FFF2-40B4-BE49-F238E27FC236}">
+                <a16:creationId xmlns:a16="http://schemas.microsoft.com/office/drawing/2014/main" id="{CD745AA6-EBA7-44DC-A2C7-9699FC645C23}"/>
+              </a:ext>
+            </a:extLst>
+          </p:cNvPr>
+          <p:cNvSpPr/>
+          <p:nvPr/>
+        </p:nvSpPr>
+        <p:spPr>
+          <a:xfrm>
+            <a:off x="696000" y="738099"/>
+            <a:ext cx="928662" cy="278599"/>
+          </a:xfrm>
+          <a:prstGeom prst="rect">
+            <a:avLst/>
+          </a:prstGeom>
+          <a:noFill/>
+          <a:ln>
+            <a:noFill/>
+          </a:ln>
+        </p:spPr>
+        <p:style>
+          <a:lnRef idx="2">
+            <a:schemeClr val="accent1">
+              <a:shade val="50000"/>
+            </a:schemeClr>
+          </a:lnRef>
+          <a:fillRef idx="1">
+            <a:schemeClr val="accent1"/>
+          </a:fillRef>
+          <a:effectRef idx="0">
+            <a:schemeClr val="accent1"/>
+          </a:effectRef>
+          <a:fontRef idx="minor">
+            <a:schemeClr val="lt1"/>
+          </a:fontRef>
+        </p:style>
+        <p:txBody>
+          <a:bodyPr rtlCol="0" anchor="ctr"/>
+          <a:lstStyle/>
+          <a:p>
+            <a:pPr algn="ctr"/>
+            <a:r>
+              <a:rPr lang="en-GB" sz="1200" dirty="0">
+                <a:solidFill>
+                  <a:schemeClr val="tx1"/>
+                </a:solidFill>
+              </a:rPr>
+              <a:t>[LOGO]</a:t>
+            </a:r>
+          </a:p>
+        </p:txBody>
+      </p:sp>
+      <p:sp>
+        <p:nvSpPr>
+          <p:cNvPr id="14" name="Rectangle 13">
+            <a:extLst>
+              <a:ext uri="{FF2B5EF4-FFF2-40B4-BE49-F238E27FC236}">
+                <a16:creationId xmlns:a16="http://schemas.microsoft.com/office/drawing/2014/main" id="{538D44B2-BDD3-400A-A638-A6D6FD72333D}"/>
+              </a:ext>
+            </a:extLst>
+          </p:cNvPr>
+          <p:cNvSpPr/>
+          <p:nvPr/>
+        </p:nvSpPr>
+        <p:spPr>
+          <a:xfrm>
+            <a:off x="5742620" y="735197"/>
+            <a:ext cx="464331" cy="278599"/>
+          </a:xfrm>
+          <a:prstGeom prst="rect">
+            <a:avLst/>
+          </a:prstGeom>
+          <a:noFill/>
+          <a:ln>
+            <a:noFill/>
+          </a:ln>
+        </p:spPr>
+        <p:style>
+          <a:lnRef idx="2">
+            <a:schemeClr val="accent1">
+              <a:shade val="50000"/>
+            </a:schemeClr>
+          </a:lnRef>
+          <a:fillRef idx="1">
+            <a:schemeClr val="accent1"/>
+          </a:fillRef>
+          <a:effectRef idx="0">
+            <a:schemeClr val="accent1"/>
+          </a:effectRef>
+          <a:fontRef idx="minor">
+            <a:schemeClr val="lt1"/>
+          </a:fontRef>
+        </p:style>
+        <p:txBody>
+          <a:bodyPr rtlCol="0" anchor="ctr"/>
+          <a:lstStyle/>
+          <a:p>
+            <a:pPr algn="ctr"/>
+            <a:r>
+              <a:rPr lang="en-GB" sz="1000" dirty="0">
+                <a:solidFill>
+                  <a:schemeClr val="tx1"/>
+                </a:solidFill>
+              </a:rPr>
+              <a:t>Sign Up</a:t>
+            </a:r>
+          </a:p>
+        </p:txBody>
+      </p:sp>
+      <p:sp>
+        <p:nvSpPr>
+          <p:cNvPr id="13" name="Rectangle 12">
+            <a:extLst>
+              <a:ext uri="{FF2B5EF4-FFF2-40B4-BE49-F238E27FC236}">
+                <a16:creationId xmlns:a16="http://schemas.microsoft.com/office/drawing/2014/main" id="{6ECE0849-EC09-47F1-8F94-DF4D4EDE4604}"/>
+              </a:ext>
+            </a:extLst>
+          </p:cNvPr>
+          <p:cNvSpPr/>
+          <p:nvPr/>
+        </p:nvSpPr>
+        <p:spPr>
+          <a:xfrm>
+            <a:off x="5362575" y="747199"/>
+            <a:ext cx="464331" cy="278599"/>
+          </a:xfrm>
+          <a:prstGeom prst="rect">
+            <a:avLst/>
+          </a:prstGeom>
+          <a:noFill/>
+          <a:ln>
+            <a:noFill/>
+          </a:ln>
+        </p:spPr>
+        <p:style>
+          <a:lnRef idx="2">
+            <a:schemeClr val="accent1">
+              <a:shade val="50000"/>
+            </a:schemeClr>
+          </a:lnRef>
+          <a:fillRef idx="1">
+            <a:schemeClr val="accent1"/>
+          </a:fillRef>
+          <a:effectRef idx="0">
+            <a:schemeClr val="accent1"/>
+          </a:effectRef>
+          <a:fontRef idx="minor">
+            <a:schemeClr val="lt1"/>
+          </a:fontRef>
+        </p:style>
+        <p:txBody>
+          <a:bodyPr rtlCol="0" anchor="ctr"/>
+          <a:lstStyle/>
+          <a:p>
+            <a:pPr algn="ctr"/>
+            <a:r>
+              <a:rPr lang="en-GB" sz="1000" dirty="0">
+                <a:solidFill>
+                  <a:schemeClr val="tx1"/>
+                </a:solidFill>
+              </a:rPr>
+              <a:t>Sign In</a:t>
+            </a:r>
+          </a:p>
+        </p:txBody>
+      </p:sp>
+      <p:grpSp>
+        <p:nvGrpSpPr>
+          <p:cNvPr id="20" name="Group 19">
+            <a:extLst>
+              <a:ext uri="{FF2B5EF4-FFF2-40B4-BE49-F238E27FC236}">
+                <a16:creationId xmlns:a16="http://schemas.microsoft.com/office/drawing/2014/main" id="{98C6C6F5-BFA5-4829-93C0-F9B813A9FF9A}"/>
+              </a:ext>
+            </a:extLst>
+          </p:cNvPr>
+          <p:cNvGrpSpPr/>
+          <p:nvPr/>
+        </p:nvGrpSpPr>
+        <p:grpSpPr>
+          <a:xfrm>
+            <a:off x="2201813" y="729000"/>
+            <a:ext cx="2751927" cy="287698"/>
+            <a:chOff x="4592422" y="720461"/>
+            <a:chExt cx="3409383" cy="557638"/>
+          </a:xfrm>
+        </p:grpSpPr>
+        <p:sp>
+          <p:nvSpPr>
+            <p:cNvPr id="17" name="Rectangle 16">
+              <a:extLst>
+                <a:ext uri="{FF2B5EF4-FFF2-40B4-BE49-F238E27FC236}">
+                  <a16:creationId xmlns:a16="http://schemas.microsoft.com/office/drawing/2014/main" id="{3FD8F452-A744-4AC3-B16E-F482CCA95A79}"/>
+                </a:ext>
+              </a:extLst>
+            </p:cNvPr>
+            <p:cNvSpPr/>
+            <p:nvPr/>
+          </p:nvSpPr>
+          <p:spPr>
+            <a:xfrm>
+              <a:off x="5365613" y="738099"/>
+              <a:ext cx="701322" cy="540000"/>
+            </a:xfrm>
+            <a:prstGeom prst="rect">
+              <a:avLst/>
+            </a:prstGeom>
+            <a:noFill/>
+            <a:ln>
+              <a:noFill/>
+            </a:ln>
+          </p:spPr>
+          <p:style>
+            <a:lnRef idx="2">
+              <a:schemeClr val="accent1">
+                <a:shade val="50000"/>
+              </a:schemeClr>
+            </a:lnRef>
+            <a:fillRef idx="1">
+              <a:schemeClr val="accent1"/>
+            </a:fillRef>
+            <a:effectRef idx="0">
+              <a:schemeClr val="accent1"/>
+            </a:effectRef>
+            <a:fontRef idx="minor">
+              <a:schemeClr val="lt1"/>
+            </a:fontRef>
+          </p:style>
+          <p:txBody>
+            <a:bodyPr rtlCol="0" anchor="ctr"/>
+            <a:lstStyle/>
+            <a:p>
+              <a:pPr algn="ctr"/>
+              <a:r>
+                <a:rPr lang="en-GB" sz="1000" dirty="0">
+                  <a:solidFill>
+                    <a:schemeClr val="tx1"/>
+                  </a:solidFill>
+                </a:rPr>
+                <a:t>How It Works</a:t>
+              </a:r>
+            </a:p>
+          </p:txBody>
+        </p:sp>
+        <p:sp>
+          <p:nvSpPr>
+            <p:cNvPr id="16" name="Rectangle 15">
+              <a:extLst>
+                <a:ext uri="{FF2B5EF4-FFF2-40B4-BE49-F238E27FC236}">
+                  <a16:creationId xmlns:a16="http://schemas.microsoft.com/office/drawing/2014/main" id="{6773581F-4EEA-48D6-A3D3-691A047851EC}"/>
+                </a:ext>
+              </a:extLst>
+            </p:cNvPr>
+            <p:cNvSpPr/>
+            <p:nvPr/>
+          </p:nvSpPr>
+          <p:spPr>
+            <a:xfrm>
+              <a:off x="5990598" y="720461"/>
+              <a:ext cx="1073852" cy="540000"/>
+            </a:xfrm>
+            <a:prstGeom prst="rect">
+              <a:avLst/>
+            </a:prstGeom>
+            <a:noFill/>
+            <a:ln>
+              <a:noFill/>
+            </a:ln>
+          </p:spPr>
+          <p:style>
+            <a:lnRef idx="2">
+              <a:schemeClr val="accent1">
+                <a:shade val="50000"/>
+              </a:schemeClr>
+            </a:lnRef>
+            <a:fillRef idx="1">
+              <a:schemeClr val="accent1"/>
+            </a:fillRef>
+            <a:effectRef idx="0">
+              <a:schemeClr val="accent1"/>
+            </a:effectRef>
+            <a:fontRef idx="minor">
+              <a:schemeClr val="lt1"/>
+            </a:fontRef>
+          </p:style>
+          <p:txBody>
+            <a:bodyPr rtlCol="0" anchor="ctr"/>
+            <a:lstStyle/>
+            <a:p>
+              <a:pPr algn="ctr"/>
+              <a:r>
+                <a:rPr lang="en-GB" sz="1000" dirty="0">
+                  <a:solidFill>
+                    <a:schemeClr val="tx1"/>
+                  </a:solidFill>
+                </a:rPr>
+                <a:t>Recommend A Product</a:t>
+              </a:r>
+            </a:p>
+          </p:txBody>
+        </p:sp>
+        <p:sp>
+          <p:nvSpPr>
+            <p:cNvPr id="15" name="Rectangle 14">
+              <a:extLst>
+                <a:ext uri="{FF2B5EF4-FFF2-40B4-BE49-F238E27FC236}">
+                  <a16:creationId xmlns:a16="http://schemas.microsoft.com/office/drawing/2014/main" id="{A8AD4DF4-B211-4C79-94CF-D7E943E97E06}"/>
+                </a:ext>
+              </a:extLst>
+            </p:cNvPr>
+            <p:cNvSpPr/>
+            <p:nvPr/>
+          </p:nvSpPr>
+          <p:spPr>
+            <a:xfrm>
+              <a:off x="4592422" y="738099"/>
+              <a:ext cx="829600" cy="540000"/>
+            </a:xfrm>
+            <a:prstGeom prst="rect">
+              <a:avLst/>
+            </a:prstGeom>
+            <a:noFill/>
+            <a:ln>
+              <a:noFill/>
+            </a:ln>
+          </p:spPr>
+          <p:style>
+            <a:lnRef idx="2">
+              <a:schemeClr val="accent1">
+                <a:shade val="50000"/>
+              </a:schemeClr>
+            </a:lnRef>
+            <a:fillRef idx="1">
+              <a:schemeClr val="accent1"/>
+            </a:fillRef>
+            <a:effectRef idx="0">
+              <a:schemeClr val="accent1"/>
+            </a:effectRef>
+            <a:fontRef idx="minor">
+              <a:schemeClr val="lt1"/>
+            </a:fontRef>
+          </p:style>
+          <p:txBody>
+            <a:bodyPr rtlCol="0" anchor="ctr"/>
+            <a:lstStyle/>
+            <a:p>
+              <a:pPr algn="ctr"/>
+              <a:r>
+                <a:rPr lang="en-GB" sz="1000" dirty="0">
+                  <a:solidFill>
+                    <a:schemeClr val="tx1"/>
+                  </a:solidFill>
+                </a:rPr>
+                <a:t>Products</a:t>
+              </a:r>
+            </a:p>
+          </p:txBody>
+        </p:sp>
+        <p:sp>
+          <p:nvSpPr>
+            <p:cNvPr id="12" name="Rectangle 11">
+              <a:extLst>
+                <a:ext uri="{FF2B5EF4-FFF2-40B4-BE49-F238E27FC236}">
+                  <a16:creationId xmlns:a16="http://schemas.microsoft.com/office/drawing/2014/main" id="{02012216-1E5E-4332-9312-68ECFF645FEA}"/>
+                </a:ext>
+              </a:extLst>
+            </p:cNvPr>
+            <p:cNvSpPr/>
+            <p:nvPr/>
+          </p:nvSpPr>
+          <p:spPr>
+            <a:xfrm>
+              <a:off x="7064450" y="738099"/>
+              <a:ext cx="937355" cy="540000"/>
+            </a:xfrm>
+            <a:prstGeom prst="rect">
+              <a:avLst/>
+            </a:prstGeom>
+            <a:noFill/>
+            <a:ln>
+              <a:noFill/>
+            </a:ln>
+          </p:spPr>
+          <p:style>
+            <a:lnRef idx="2">
+              <a:schemeClr val="accent1">
+                <a:shade val="50000"/>
+              </a:schemeClr>
+            </a:lnRef>
+            <a:fillRef idx="1">
+              <a:schemeClr val="accent1"/>
+            </a:fillRef>
+            <a:effectRef idx="0">
+              <a:schemeClr val="accent1"/>
+            </a:effectRef>
+            <a:fontRef idx="minor">
+              <a:schemeClr val="lt1"/>
+            </a:fontRef>
+          </p:style>
+          <p:txBody>
+            <a:bodyPr rtlCol="0" anchor="ctr"/>
+            <a:lstStyle/>
+            <a:p>
+              <a:pPr algn="ctr"/>
+              <a:r>
+                <a:rPr lang="en-GB" sz="1000" dirty="0">
+                  <a:solidFill>
+                    <a:schemeClr val="tx1"/>
+                  </a:solidFill>
+                </a:rPr>
+                <a:t>Contact Us</a:t>
+              </a:r>
+            </a:p>
+          </p:txBody>
+        </p:sp>
+      </p:grpSp>
+      <p:sp>
+        <p:nvSpPr>
+          <p:cNvPr id="4" name="TextBox 3">
+            <a:extLst>
+              <a:ext uri="{FF2B5EF4-FFF2-40B4-BE49-F238E27FC236}">
+                <a16:creationId xmlns:a16="http://schemas.microsoft.com/office/drawing/2014/main" id="{85D9CDC9-BF93-4AAD-A262-5762C476406D}"/>
+              </a:ext>
+            </a:extLst>
+          </p:cNvPr>
+          <p:cNvSpPr txBox="1"/>
+          <p:nvPr/>
+        </p:nvSpPr>
+        <p:spPr>
+          <a:xfrm>
+            <a:off x="0" y="-4207"/>
+            <a:ext cx="1959429" cy="369332"/>
+          </a:xfrm>
+          <a:prstGeom prst="rect">
+            <a:avLst/>
+          </a:prstGeom>
+          <a:noFill/>
+        </p:spPr>
+        <p:txBody>
+          <a:bodyPr wrap="square" rtlCol="0">
+            <a:spAutoFit/>
+          </a:bodyPr>
+          <a:lstStyle/>
+          <a:p>
+            <a:r>
+              <a:rPr lang="en-GB" dirty="0" err="1"/>
+              <a:t>Navbar.php</a:t>
+            </a:r>
+            <a:endParaRPr lang="en-GB" dirty="0"/>
+          </a:p>
+        </p:txBody>
+      </p:sp>
+      <p:sp>
+        <p:nvSpPr>
+          <p:cNvPr id="5" name="Rectangle 4">
+            <a:extLst>
+              <a:ext uri="{FF2B5EF4-FFF2-40B4-BE49-F238E27FC236}">
+                <a16:creationId xmlns:a16="http://schemas.microsoft.com/office/drawing/2014/main" id="{8C8B3D45-D0AF-4BD6-9A89-5F6ED1BD8287}"/>
+              </a:ext>
+            </a:extLst>
+          </p:cNvPr>
+          <p:cNvSpPr/>
+          <p:nvPr/>
+        </p:nvSpPr>
+        <p:spPr>
+          <a:xfrm>
+            <a:off x="696000" y="729000"/>
+            <a:ext cx="5571973" cy="2785987"/>
+          </a:xfrm>
+          <a:prstGeom prst="rect">
+            <a:avLst/>
+          </a:prstGeom>
+          <a:noFill/>
+          <a:ln>
+            <a:solidFill>
+              <a:schemeClr val="tx1"/>
+            </a:solidFill>
+          </a:ln>
+        </p:spPr>
+        <p:style>
+          <a:lnRef idx="2">
+            <a:schemeClr val="accent1">
+              <a:shade val="50000"/>
+            </a:schemeClr>
+          </a:lnRef>
+          <a:fillRef idx="1">
+            <a:schemeClr val="accent1"/>
+          </a:fillRef>
+          <a:effectRef idx="0">
+            <a:schemeClr val="accent1"/>
+          </a:effectRef>
+          <a:fontRef idx="minor">
+            <a:schemeClr val="lt1"/>
+          </a:fontRef>
+        </p:style>
+        <p:txBody>
+          <a:bodyPr rtlCol="0" anchor="ctr"/>
+          <a:lstStyle/>
+          <a:p>
+            <a:pPr algn="ctr"/>
+            <a:endParaRPr lang="en-GB"/>
+          </a:p>
+        </p:txBody>
+      </p:sp>
+      <p:sp>
+        <p:nvSpPr>
+          <p:cNvPr id="30" name="Rectangle 29">
+            <a:extLst>
+              <a:ext uri="{FF2B5EF4-FFF2-40B4-BE49-F238E27FC236}">
+                <a16:creationId xmlns:a16="http://schemas.microsoft.com/office/drawing/2014/main" id="{04D5DB7A-DC90-47F6-97CD-B28B231F8086}"/>
+              </a:ext>
+            </a:extLst>
+          </p:cNvPr>
+          <p:cNvSpPr/>
+          <p:nvPr/>
+        </p:nvSpPr>
+        <p:spPr>
+          <a:xfrm>
+            <a:off x="7561574" y="714199"/>
+            <a:ext cx="2681536" cy="3886376"/>
+          </a:xfrm>
+          <a:prstGeom prst="rect">
+            <a:avLst/>
+          </a:prstGeom>
+          <a:noFill/>
+          <a:ln>
+            <a:solidFill>
+              <a:schemeClr val="tx1"/>
+            </a:solidFill>
+          </a:ln>
+        </p:spPr>
+        <p:style>
+          <a:lnRef idx="2">
+            <a:schemeClr val="accent1">
+              <a:shade val="50000"/>
+            </a:schemeClr>
+          </a:lnRef>
+          <a:fillRef idx="1">
+            <a:schemeClr val="accent1"/>
+          </a:fillRef>
+          <a:effectRef idx="0">
+            <a:schemeClr val="accent1"/>
+          </a:effectRef>
+          <a:fontRef idx="minor">
+            <a:schemeClr val="lt1"/>
+          </a:fontRef>
+        </p:style>
+        <p:txBody>
+          <a:bodyPr rtlCol="0" anchor="ctr"/>
+          <a:lstStyle/>
+          <a:p>
+            <a:pPr algn="ctr"/>
+            <a:endParaRPr lang="en-GB"/>
+          </a:p>
+        </p:txBody>
+      </p:sp>
+    </p:spTree>
+    <p:extLst>
+      <p:ext uri="{BB962C8B-B14F-4D97-AF65-F5344CB8AC3E}">
+        <p14:creationId xmlns:p14="http://schemas.microsoft.com/office/powerpoint/2010/main" val="662230270"/>
+      </p:ext>
+    </p:extLst>
+  </p:cSld>
+  <p:clrMapOvr>
+    <a:masterClrMapping/>
+  </p:clrMapOvr>
+</p:sld>
+</file>
+
+<file path=ppt/slides/slide4.xml><?xml version="1.0" encoding="utf-8"?>
 <p:sld xmlns:a="http://schemas.openxmlformats.org/drawingml/2006/main" xmlns:r="http://schemas.openxmlformats.org/officeDocument/2006/relationships" xmlns:p="http://schemas.openxmlformats.org/presentationml/2006/main">
   <p:cSld>
     <p:spTree>
@@ -4302,7 +5027,7 @@
     </p:spTree>
     <p:extLst>
       <p:ext uri="{BB962C8B-B14F-4D97-AF65-F5344CB8AC3E}">
-        <p14:creationId xmlns:p14="http://schemas.microsoft.com/office/powerpoint/2010/main" val="3691395135"/>
+        <p14:creationId xmlns:p14="http://schemas.microsoft.com/office/powerpoint/2010/main" val="220875896"/>
       </p:ext>
     </p:extLst>
   </p:cSld>
@@ -4312,7 +5037,7 @@
 </p:sld>
 </file>
 
-<file path=ppt/slides/slide3.xml><?xml version="1.0" encoding="utf-8"?>
+<file path=ppt/slides/slide5.xml><?xml version="1.0" encoding="utf-8"?>
 <p:sld xmlns:a="http://schemas.openxmlformats.org/drawingml/2006/main" xmlns:r="http://schemas.openxmlformats.org/officeDocument/2006/relationships" xmlns:p="http://schemas.openxmlformats.org/presentationml/2006/main">
   <p:cSld>
     <p:spTree>
@@ -4831,6 +5556,905 @@
           <a:p>
             <a:r>
               <a:rPr lang="en-GB" dirty="0" err="1"/>
+              <a:t>Recommend.php</a:t>
+            </a:r>
+            <a:endParaRPr lang="en-GB" dirty="0"/>
+          </a:p>
+        </p:txBody>
+      </p:sp>
+      <p:sp>
+        <p:nvSpPr>
+          <p:cNvPr id="5" name="Rectangle 4">
+            <a:extLst>
+              <a:ext uri="{FF2B5EF4-FFF2-40B4-BE49-F238E27FC236}">
+                <a16:creationId xmlns:a16="http://schemas.microsoft.com/office/drawing/2014/main" id="{8C8B3D45-D0AF-4BD6-9A89-5F6ED1BD8287}"/>
+              </a:ext>
+            </a:extLst>
+          </p:cNvPr>
+          <p:cNvSpPr/>
+          <p:nvPr/>
+        </p:nvSpPr>
+        <p:spPr>
+          <a:xfrm>
+            <a:off x="696000" y="729000"/>
+            <a:ext cx="10800000" cy="5400000"/>
+          </a:xfrm>
+          <a:prstGeom prst="rect">
+            <a:avLst/>
+          </a:prstGeom>
+          <a:noFill/>
+          <a:ln>
+            <a:solidFill>
+              <a:schemeClr val="tx1"/>
+            </a:solidFill>
+          </a:ln>
+        </p:spPr>
+        <p:style>
+          <a:lnRef idx="2">
+            <a:schemeClr val="accent1">
+              <a:shade val="50000"/>
+            </a:schemeClr>
+          </a:lnRef>
+          <a:fillRef idx="1">
+            <a:schemeClr val="accent1"/>
+          </a:fillRef>
+          <a:effectRef idx="0">
+            <a:schemeClr val="accent1"/>
+          </a:effectRef>
+          <a:fontRef idx="minor">
+            <a:schemeClr val="lt1"/>
+          </a:fontRef>
+        </p:style>
+        <p:txBody>
+          <a:bodyPr rtlCol="0" anchor="ctr"/>
+          <a:lstStyle/>
+          <a:p>
+            <a:pPr algn="ctr"/>
+            <a:endParaRPr lang="en-GB"/>
+          </a:p>
+        </p:txBody>
+      </p:sp>
+      <p:sp>
+        <p:nvSpPr>
+          <p:cNvPr id="7" name="Rectangle 6">
+            <a:extLst>
+              <a:ext uri="{FF2B5EF4-FFF2-40B4-BE49-F238E27FC236}">
+                <a16:creationId xmlns:a16="http://schemas.microsoft.com/office/drawing/2014/main" id="{CABFD8DA-564E-4A63-A3E8-870972B5D090}"/>
+              </a:ext>
+            </a:extLst>
+          </p:cNvPr>
+          <p:cNvSpPr/>
+          <p:nvPr/>
+        </p:nvSpPr>
+        <p:spPr>
+          <a:xfrm>
+            <a:off x="5376000" y="1585518"/>
+            <a:ext cx="1440000" cy="720000"/>
+          </a:xfrm>
+          <a:prstGeom prst="rect">
+            <a:avLst/>
+          </a:prstGeom>
+          <a:noFill/>
+          <a:ln>
+            <a:noFill/>
+          </a:ln>
+        </p:spPr>
+        <p:style>
+          <a:lnRef idx="2">
+            <a:schemeClr val="accent1">
+              <a:shade val="50000"/>
+            </a:schemeClr>
+          </a:lnRef>
+          <a:fillRef idx="1">
+            <a:schemeClr val="accent1"/>
+          </a:fillRef>
+          <a:effectRef idx="0">
+            <a:schemeClr val="accent1"/>
+          </a:effectRef>
+          <a:fontRef idx="minor">
+            <a:schemeClr val="lt1"/>
+          </a:fontRef>
+        </p:style>
+        <p:txBody>
+          <a:bodyPr rtlCol="0" anchor="ctr"/>
+          <a:lstStyle/>
+          <a:p>
+            <a:pPr algn="ctr"/>
+            <a:r>
+              <a:rPr lang="en-GB" dirty="0">
+                <a:solidFill>
+                  <a:schemeClr val="tx1"/>
+                </a:solidFill>
+              </a:rPr>
+              <a:t>Recommend A Product</a:t>
+            </a:r>
+          </a:p>
+        </p:txBody>
+      </p:sp>
+      <p:sp>
+        <p:nvSpPr>
+          <p:cNvPr id="8" name="Rectangle: Rounded Corners 7">
+            <a:extLst>
+              <a:ext uri="{FF2B5EF4-FFF2-40B4-BE49-F238E27FC236}">
+                <a16:creationId xmlns:a16="http://schemas.microsoft.com/office/drawing/2014/main" id="{93BF4670-AEEE-44E5-840F-C15FF391E2C8}"/>
+              </a:ext>
+            </a:extLst>
+          </p:cNvPr>
+          <p:cNvSpPr/>
+          <p:nvPr/>
+        </p:nvSpPr>
+        <p:spPr>
+          <a:xfrm>
+            <a:off x="3396000" y="3517868"/>
+            <a:ext cx="5400000" cy="360000"/>
+          </a:xfrm>
+          <a:prstGeom prst="roundRect">
+            <a:avLst>
+              <a:gd name="adj" fmla="val 42063"/>
+            </a:avLst>
+          </a:prstGeom>
+          <a:noFill/>
+          <a:ln>
+            <a:solidFill>
+              <a:schemeClr val="tx1"/>
+            </a:solidFill>
+          </a:ln>
+        </p:spPr>
+        <p:style>
+          <a:lnRef idx="2">
+            <a:schemeClr val="accent1">
+              <a:shade val="50000"/>
+            </a:schemeClr>
+          </a:lnRef>
+          <a:fillRef idx="1">
+            <a:schemeClr val="accent1"/>
+          </a:fillRef>
+          <a:effectRef idx="0">
+            <a:schemeClr val="accent1"/>
+          </a:effectRef>
+          <a:fontRef idx="minor">
+            <a:schemeClr val="lt1"/>
+          </a:fontRef>
+        </p:style>
+        <p:txBody>
+          <a:bodyPr rtlCol="0" anchor="ctr"/>
+          <a:lstStyle/>
+          <a:p>
+            <a:r>
+              <a:rPr lang="en-GB" dirty="0">
+                <a:solidFill>
+                  <a:schemeClr val="tx1">
+                    <a:lumMod val="75000"/>
+                    <a:lumOff val="25000"/>
+                  </a:schemeClr>
+                </a:solidFill>
+              </a:rPr>
+              <a:t>Product Name</a:t>
+            </a:r>
+          </a:p>
+        </p:txBody>
+      </p:sp>
+      <p:sp>
+        <p:nvSpPr>
+          <p:cNvPr id="9" name="Rectangle: Rounded Corners 8">
+            <a:extLst>
+              <a:ext uri="{FF2B5EF4-FFF2-40B4-BE49-F238E27FC236}">
+                <a16:creationId xmlns:a16="http://schemas.microsoft.com/office/drawing/2014/main" id="{ECAB5F6E-91C1-44D1-97EE-D99A469F17A0}"/>
+              </a:ext>
+            </a:extLst>
+          </p:cNvPr>
+          <p:cNvSpPr/>
+          <p:nvPr/>
+        </p:nvSpPr>
+        <p:spPr>
+          <a:xfrm>
+            <a:off x="3396000" y="3980660"/>
+            <a:ext cx="5400000" cy="720000"/>
+          </a:xfrm>
+          <a:prstGeom prst="roundRect">
+            <a:avLst>
+              <a:gd name="adj" fmla="val 27250"/>
+            </a:avLst>
+          </a:prstGeom>
+          <a:noFill/>
+          <a:ln>
+            <a:solidFill>
+              <a:schemeClr val="tx1"/>
+            </a:solidFill>
+          </a:ln>
+        </p:spPr>
+        <p:style>
+          <a:lnRef idx="2">
+            <a:schemeClr val="accent1">
+              <a:shade val="50000"/>
+            </a:schemeClr>
+          </a:lnRef>
+          <a:fillRef idx="1">
+            <a:schemeClr val="accent1"/>
+          </a:fillRef>
+          <a:effectRef idx="0">
+            <a:schemeClr val="accent1"/>
+          </a:effectRef>
+          <a:fontRef idx="minor">
+            <a:schemeClr val="lt1"/>
+          </a:fontRef>
+        </p:style>
+        <p:txBody>
+          <a:bodyPr rtlCol="0" anchor="ctr"/>
+          <a:lstStyle/>
+          <a:p>
+            <a:r>
+              <a:rPr lang="en-GB" dirty="0">
+                <a:solidFill>
+                  <a:schemeClr val="tx1">
+                    <a:lumMod val="75000"/>
+                    <a:lumOff val="25000"/>
+                  </a:schemeClr>
+                </a:solidFill>
+              </a:rPr>
+              <a:t>Brief Product Description</a:t>
+            </a:r>
+          </a:p>
+        </p:txBody>
+      </p:sp>
+      <p:sp>
+        <p:nvSpPr>
+          <p:cNvPr id="10" name="Rectangle: Rounded Corners 9">
+            <a:extLst>
+              <a:ext uri="{FF2B5EF4-FFF2-40B4-BE49-F238E27FC236}">
+                <a16:creationId xmlns:a16="http://schemas.microsoft.com/office/drawing/2014/main" id="{8C5C92D4-82BF-4A99-9BDF-AE14AECEBEFA}"/>
+              </a:ext>
+            </a:extLst>
+          </p:cNvPr>
+          <p:cNvSpPr/>
+          <p:nvPr/>
+        </p:nvSpPr>
+        <p:spPr>
+          <a:xfrm>
+            <a:off x="3396000" y="4803452"/>
+            <a:ext cx="5400000" cy="360000"/>
+          </a:xfrm>
+          <a:prstGeom prst="roundRect">
+            <a:avLst>
+              <a:gd name="adj" fmla="val 37834"/>
+            </a:avLst>
+          </a:prstGeom>
+          <a:noFill/>
+          <a:ln>
+            <a:solidFill>
+              <a:schemeClr val="tx1"/>
+            </a:solidFill>
+          </a:ln>
+        </p:spPr>
+        <p:style>
+          <a:lnRef idx="2">
+            <a:schemeClr val="accent1">
+              <a:shade val="50000"/>
+            </a:schemeClr>
+          </a:lnRef>
+          <a:fillRef idx="1">
+            <a:schemeClr val="accent1"/>
+          </a:fillRef>
+          <a:effectRef idx="0">
+            <a:schemeClr val="accent1"/>
+          </a:effectRef>
+          <a:fontRef idx="minor">
+            <a:schemeClr val="lt1"/>
+          </a:fontRef>
+        </p:style>
+        <p:txBody>
+          <a:bodyPr rtlCol="0" anchor="ctr"/>
+          <a:lstStyle/>
+          <a:p>
+            <a:r>
+              <a:rPr lang="en-GB" dirty="0">
+                <a:solidFill>
+                  <a:schemeClr val="tx1">
+                    <a:lumMod val="75000"/>
+                    <a:lumOff val="25000"/>
+                  </a:schemeClr>
+                </a:solidFill>
+              </a:rPr>
+              <a:t>Product Link, i.e. amazon, or product website</a:t>
+            </a:r>
+          </a:p>
+        </p:txBody>
+      </p:sp>
+      <p:sp>
+        <p:nvSpPr>
+          <p:cNvPr id="21" name="Rectangle: Rounded Corners 20">
+            <a:extLst>
+              <a:ext uri="{FF2B5EF4-FFF2-40B4-BE49-F238E27FC236}">
+                <a16:creationId xmlns:a16="http://schemas.microsoft.com/office/drawing/2014/main" id="{A2AD5855-3FCC-4976-9735-253E3E1CE0C1}"/>
+              </a:ext>
+            </a:extLst>
+          </p:cNvPr>
+          <p:cNvSpPr/>
+          <p:nvPr/>
+        </p:nvSpPr>
+        <p:spPr>
+          <a:xfrm>
+            <a:off x="6996000" y="5347327"/>
+            <a:ext cx="1800000" cy="360000"/>
+          </a:xfrm>
+          <a:prstGeom prst="roundRect">
+            <a:avLst>
+              <a:gd name="adj" fmla="val 50000"/>
+            </a:avLst>
+          </a:prstGeom>
+          <a:noFill/>
+          <a:ln>
+            <a:solidFill>
+              <a:schemeClr val="tx1"/>
+            </a:solidFill>
+          </a:ln>
+        </p:spPr>
+        <p:style>
+          <a:lnRef idx="2">
+            <a:schemeClr val="accent1">
+              <a:shade val="50000"/>
+            </a:schemeClr>
+          </a:lnRef>
+          <a:fillRef idx="1">
+            <a:schemeClr val="accent1"/>
+          </a:fillRef>
+          <a:effectRef idx="0">
+            <a:schemeClr val="accent1"/>
+          </a:effectRef>
+          <a:fontRef idx="minor">
+            <a:schemeClr val="lt1"/>
+          </a:fontRef>
+        </p:style>
+        <p:txBody>
+          <a:bodyPr rtlCol="0" anchor="ctr"/>
+          <a:lstStyle/>
+          <a:p>
+            <a:r>
+              <a:rPr lang="en-GB" dirty="0">
+                <a:solidFill>
+                  <a:schemeClr val="tx1">
+                    <a:lumMod val="75000"/>
+                    <a:lumOff val="25000"/>
+                  </a:schemeClr>
+                </a:solidFill>
+              </a:rPr>
+              <a:t>Submit</a:t>
+            </a:r>
+          </a:p>
+        </p:txBody>
+      </p:sp>
+    </p:spTree>
+    <p:extLst>
+      <p:ext uri="{BB962C8B-B14F-4D97-AF65-F5344CB8AC3E}">
+        <p14:creationId xmlns:p14="http://schemas.microsoft.com/office/powerpoint/2010/main" val="3691395135"/>
+      </p:ext>
+    </p:extLst>
+  </p:cSld>
+  <p:clrMapOvr>
+    <a:masterClrMapping/>
+  </p:clrMapOvr>
+</p:sld>
+</file>
+
+<file path=ppt/slides/slide6.xml><?xml version="1.0" encoding="utf-8"?>
+<p:sld xmlns:a="http://schemas.openxmlformats.org/drawingml/2006/main" xmlns:r="http://schemas.openxmlformats.org/officeDocument/2006/relationships" xmlns:p="http://schemas.openxmlformats.org/presentationml/2006/main">
+  <p:cSld>
+    <p:spTree>
+      <p:nvGrpSpPr>
+        <p:cNvPr id="1" name=""/>
+        <p:cNvGrpSpPr/>
+        <p:nvPr/>
+      </p:nvGrpSpPr>
+      <p:grpSpPr>
+        <a:xfrm>
+          <a:off x="0" y="0"/>
+          <a:ext cx="0" cy="0"/>
+          <a:chOff x="0" y="0"/>
+          <a:chExt cx="0" cy="0"/>
+        </a:xfrm>
+      </p:grpSpPr>
+      <p:sp>
+        <p:nvSpPr>
+          <p:cNvPr id="11" name="Rectangle 10">
+            <a:extLst>
+              <a:ext uri="{FF2B5EF4-FFF2-40B4-BE49-F238E27FC236}">
+                <a16:creationId xmlns:a16="http://schemas.microsoft.com/office/drawing/2014/main" id="{8DEC2AB1-E2C5-4D2E-8007-5BF8124ED727}"/>
+              </a:ext>
+            </a:extLst>
+          </p:cNvPr>
+          <p:cNvSpPr/>
+          <p:nvPr/>
+        </p:nvSpPr>
+        <p:spPr>
+          <a:xfrm>
+            <a:off x="696000" y="738099"/>
+            <a:ext cx="10800000" cy="540000"/>
+          </a:xfrm>
+          <a:prstGeom prst="rect">
+            <a:avLst/>
+          </a:prstGeom>
+          <a:solidFill>
+            <a:schemeClr val="bg2"/>
+          </a:solidFill>
+          <a:ln>
+            <a:noFill/>
+          </a:ln>
+        </p:spPr>
+        <p:style>
+          <a:lnRef idx="2">
+            <a:schemeClr val="accent1">
+              <a:shade val="50000"/>
+            </a:schemeClr>
+          </a:lnRef>
+          <a:fillRef idx="1">
+            <a:schemeClr val="accent1"/>
+          </a:fillRef>
+          <a:effectRef idx="0">
+            <a:schemeClr val="accent1"/>
+          </a:effectRef>
+          <a:fontRef idx="minor">
+            <a:schemeClr val="lt1"/>
+          </a:fontRef>
+        </p:style>
+        <p:txBody>
+          <a:bodyPr rtlCol="0" anchor="ctr"/>
+          <a:lstStyle/>
+          <a:p>
+            <a:pPr algn="ctr"/>
+            <a:endParaRPr lang="en-GB" dirty="0"/>
+          </a:p>
+        </p:txBody>
+      </p:sp>
+      <p:sp>
+        <p:nvSpPr>
+          <p:cNvPr id="18" name="Rectangle 17">
+            <a:extLst>
+              <a:ext uri="{FF2B5EF4-FFF2-40B4-BE49-F238E27FC236}">
+                <a16:creationId xmlns:a16="http://schemas.microsoft.com/office/drawing/2014/main" id="{CD745AA6-EBA7-44DC-A2C7-9699FC645C23}"/>
+              </a:ext>
+            </a:extLst>
+          </p:cNvPr>
+          <p:cNvSpPr/>
+          <p:nvPr/>
+        </p:nvSpPr>
+        <p:spPr>
+          <a:xfrm>
+            <a:off x="696000" y="738099"/>
+            <a:ext cx="1800000" cy="540000"/>
+          </a:xfrm>
+          <a:prstGeom prst="rect">
+            <a:avLst/>
+          </a:prstGeom>
+          <a:noFill/>
+          <a:ln>
+            <a:noFill/>
+          </a:ln>
+        </p:spPr>
+        <p:style>
+          <a:lnRef idx="2">
+            <a:schemeClr val="accent1">
+              <a:shade val="50000"/>
+            </a:schemeClr>
+          </a:lnRef>
+          <a:fillRef idx="1">
+            <a:schemeClr val="accent1"/>
+          </a:fillRef>
+          <a:effectRef idx="0">
+            <a:schemeClr val="accent1"/>
+          </a:effectRef>
+          <a:fontRef idx="minor">
+            <a:schemeClr val="lt1"/>
+          </a:fontRef>
+        </p:style>
+        <p:txBody>
+          <a:bodyPr rtlCol="0" anchor="ctr"/>
+          <a:lstStyle/>
+          <a:p>
+            <a:pPr algn="ctr"/>
+            <a:r>
+              <a:rPr lang="en-GB" sz="1600" dirty="0">
+                <a:solidFill>
+                  <a:schemeClr val="tx1"/>
+                </a:solidFill>
+              </a:rPr>
+              <a:t>[LOGO]</a:t>
+            </a:r>
+          </a:p>
+        </p:txBody>
+      </p:sp>
+      <p:sp>
+        <p:nvSpPr>
+          <p:cNvPr id="14" name="Rectangle 13">
+            <a:extLst>
+              <a:ext uri="{FF2B5EF4-FFF2-40B4-BE49-F238E27FC236}">
+                <a16:creationId xmlns:a16="http://schemas.microsoft.com/office/drawing/2014/main" id="{538D44B2-BDD3-400A-A638-A6D6FD72333D}"/>
+              </a:ext>
+            </a:extLst>
+          </p:cNvPr>
+          <p:cNvSpPr/>
+          <p:nvPr/>
+        </p:nvSpPr>
+        <p:spPr>
+          <a:xfrm>
+            <a:off x="10570997" y="729000"/>
+            <a:ext cx="900000" cy="540000"/>
+          </a:xfrm>
+          <a:prstGeom prst="rect">
+            <a:avLst/>
+          </a:prstGeom>
+          <a:noFill/>
+          <a:ln>
+            <a:noFill/>
+          </a:ln>
+        </p:spPr>
+        <p:style>
+          <a:lnRef idx="2">
+            <a:schemeClr val="accent1">
+              <a:shade val="50000"/>
+            </a:schemeClr>
+          </a:lnRef>
+          <a:fillRef idx="1">
+            <a:schemeClr val="accent1"/>
+          </a:fillRef>
+          <a:effectRef idx="0">
+            <a:schemeClr val="accent1"/>
+          </a:effectRef>
+          <a:fontRef idx="minor">
+            <a:schemeClr val="lt1"/>
+          </a:fontRef>
+        </p:style>
+        <p:txBody>
+          <a:bodyPr rtlCol="0" anchor="ctr"/>
+          <a:lstStyle/>
+          <a:p>
+            <a:pPr algn="ctr"/>
+            <a:r>
+              <a:rPr lang="en-GB" sz="1400" dirty="0">
+                <a:solidFill>
+                  <a:schemeClr val="tx1"/>
+                </a:solidFill>
+              </a:rPr>
+              <a:t>Sign Up</a:t>
+            </a:r>
+          </a:p>
+        </p:txBody>
+      </p:sp>
+      <p:sp>
+        <p:nvSpPr>
+          <p:cNvPr id="13" name="Rectangle 12">
+            <a:extLst>
+              <a:ext uri="{FF2B5EF4-FFF2-40B4-BE49-F238E27FC236}">
+                <a16:creationId xmlns:a16="http://schemas.microsoft.com/office/drawing/2014/main" id="{6ECE0849-EC09-47F1-8F94-DF4D4EDE4604}"/>
+              </a:ext>
+            </a:extLst>
+          </p:cNvPr>
+          <p:cNvSpPr/>
+          <p:nvPr/>
+        </p:nvSpPr>
+        <p:spPr>
+          <a:xfrm>
+            <a:off x="9670997" y="729000"/>
+            <a:ext cx="900000" cy="540000"/>
+          </a:xfrm>
+          <a:prstGeom prst="rect">
+            <a:avLst/>
+          </a:prstGeom>
+          <a:noFill/>
+          <a:ln>
+            <a:noFill/>
+          </a:ln>
+        </p:spPr>
+        <p:style>
+          <a:lnRef idx="2">
+            <a:schemeClr val="accent1">
+              <a:shade val="50000"/>
+            </a:schemeClr>
+          </a:lnRef>
+          <a:fillRef idx="1">
+            <a:schemeClr val="accent1"/>
+          </a:fillRef>
+          <a:effectRef idx="0">
+            <a:schemeClr val="accent1"/>
+          </a:effectRef>
+          <a:fontRef idx="minor">
+            <a:schemeClr val="lt1"/>
+          </a:fontRef>
+        </p:style>
+        <p:txBody>
+          <a:bodyPr rtlCol="0" anchor="ctr"/>
+          <a:lstStyle/>
+          <a:p>
+            <a:pPr algn="ctr"/>
+            <a:r>
+              <a:rPr lang="en-GB" sz="1400" dirty="0">
+                <a:solidFill>
+                  <a:schemeClr val="tx1"/>
+                </a:solidFill>
+              </a:rPr>
+              <a:t>Sign In</a:t>
+            </a:r>
+          </a:p>
+        </p:txBody>
+      </p:sp>
+      <p:grpSp>
+        <p:nvGrpSpPr>
+          <p:cNvPr id="20" name="Group 19">
+            <a:extLst>
+              <a:ext uri="{FF2B5EF4-FFF2-40B4-BE49-F238E27FC236}">
+                <a16:creationId xmlns:a16="http://schemas.microsoft.com/office/drawing/2014/main" id="{98C6C6F5-BFA5-4829-93C0-F9B813A9FF9A}"/>
+              </a:ext>
+            </a:extLst>
+          </p:cNvPr>
+          <p:cNvGrpSpPr/>
+          <p:nvPr/>
+        </p:nvGrpSpPr>
+        <p:grpSpPr>
+          <a:xfrm>
+            <a:off x="3955997" y="738099"/>
+            <a:ext cx="4280006" cy="540000"/>
+            <a:chOff x="4465988" y="738099"/>
+            <a:chExt cx="4280006" cy="540000"/>
+          </a:xfrm>
+        </p:grpSpPr>
+        <p:sp>
+          <p:nvSpPr>
+            <p:cNvPr id="17" name="Rectangle 16">
+              <a:extLst>
+                <a:ext uri="{FF2B5EF4-FFF2-40B4-BE49-F238E27FC236}">
+                  <a16:creationId xmlns:a16="http://schemas.microsoft.com/office/drawing/2014/main" id="{3FD8F452-A744-4AC3-B16E-F482CCA95A79}"/>
+                </a:ext>
+              </a:extLst>
+            </p:cNvPr>
+            <p:cNvSpPr/>
+            <p:nvPr/>
+          </p:nvSpPr>
+          <p:spPr>
+            <a:xfrm>
+              <a:off x="5365612" y="738099"/>
+              <a:ext cx="1080000" cy="540000"/>
+            </a:xfrm>
+            <a:prstGeom prst="rect">
+              <a:avLst/>
+            </a:prstGeom>
+            <a:noFill/>
+            <a:ln>
+              <a:noFill/>
+            </a:ln>
+          </p:spPr>
+          <p:style>
+            <a:lnRef idx="2">
+              <a:schemeClr val="accent1">
+                <a:shade val="50000"/>
+              </a:schemeClr>
+            </a:lnRef>
+            <a:fillRef idx="1">
+              <a:schemeClr val="accent1"/>
+            </a:fillRef>
+            <a:effectRef idx="0">
+              <a:schemeClr val="accent1"/>
+            </a:effectRef>
+            <a:fontRef idx="minor">
+              <a:schemeClr val="lt1"/>
+            </a:fontRef>
+          </p:style>
+          <p:txBody>
+            <a:bodyPr rtlCol="0" anchor="ctr"/>
+            <a:lstStyle/>
+            <a:p>
+              <a:pPr algn="ctr"/>
+              <a:r>
+                <a:rPr lang="en-GB" sz="1400" dirty="0">
+                  <a:solidFill>
+                    <a:schemeClr val="tx1"/>
+                  </a:solidFill>
+                </a:rPr>
+                <a:t>How It Works</a:t>
+              </a:r>
+            </a:p>
+          </p:txBody>
+        </p:sp>
+        <p:sp>
+          <p:nvSpPr>
+            <p:cNvPr id="16" name="Rectangle 15">
+              <a:extLst>
+                <a:ext uri="{FF2B5EF4-FFF2-40B4-BE49-F238E27FC236}">
+                  <a16:creationId xmlns:a16="http://schemas.microsoft.com/office/drawing/2014/main" id="{6773581F-4EEA-48D6-A3D3-691A047851EC}"/>
+                </a:ext>
+              </a:extLst>
+            </p:cNvPr>
+            <p:cNvSpPr/>
+            <p:nvPr/>
+          </p:nvSpPr>
+          <p:spPr>
+            <a:xfrm>
+              <a:off x="6441994" y="738099"/>
+              <a:ext cx="1224000" cy="540000"/>
+            </a:xfrm>
+            <a:prstGeom prst="rect">
+              <a:avLst/>
+            </a:prstGeom>
+            <a:noFill/>
+            <a:ln>
+              <a:noFill/>
+            </a:ln>
+          </p:spPr>
+          <p:style>
+            <a:lnRef idx="2">
+              <a:schemeClr val="accent1">
+                <a:shade val="50000"/>
+              </a:schemeClr>
+            </a:lnRef>
+            <a:fillRef idx="1">
+              <a:schemeClr val="accent1"/>
+            </a:fillRef>
+            <a:effectRef idx="0">
+              <a:schemeClr val="accent1"/>
+            </a:effectRef>
+            <a:fontRef idx="minor">
+              <a:schemeClr val="lt1"/>
+            </a:fontRef>
+          </p:style>
+          <p:txBody>
+            <a:bodyPr rtlCol="0" anchor="ctr"/>
+            <a:lstStyle/>
+            <a:p>
+              <a:pPr algn="ctr"/>
+              <a:r>
+                <a:rPr lang="en-GB" sz="1400" dirty="0">
+                  <a:solidFill>
+                    <a:schemeClr val="tx1"/>
+                  </a:solidFill>
+                </a:rPr>
+                <a:t>Recommend A Product</a:t>
+              </a:r>
+            </a:p>
+          </p:txBody>
+        </p:sp>
+        <p:sp>
+          <p:nvSpPr>
+            <p:cNvPr id="15" name="Rectangle 14">
+              <a:extLst>
+                <a:ext uri="{FF2B5EF4-FFF2-40B4-BE49-F238E27FC236}">
+                  <a16:creationId xmlns:a16="http://schemas.microsoft.com/office/drawing/2014/main" id="{A8AD4DF4-B211-4C79-94CF-D7E943E97E06}"/>
+                </a:ext>
+              </a:extLst>
+            </p:cNvPr>
+            <p:cNvSpPr/>
+            <p:nvPr/>
+          </p:nvSpPr>
+          <p:spPr>
+            <a:xfrm>
+              <a:off x="4465988" y="738099"/>
+              <a:ext cx="900000" cy="540000"/>
+            </a:xfrm>
+            <a:prstGeom prst="rect">
+              <a:avLst/>
+            </a:prstGeom>
+            <a:noFill/>
+            <a:ln>
+              <a:noFill/>
+            </a:ln>
+          </p:spPr>
+          <p:style>
+            <a:lnRef idx="2">
+              <a:schemeClr val="accent1">
+                <a:shade val="50000"/>
+              </a:schemeClr>
+            </a:lnRef>
+            <a:fillRef idx="1">
+              <a:schemeClr val="accent1"/>
+            </a:fillRef>
+            <a:effectRef idx="0">
+              <a:schemeClr val="accent1"/>
+            </a:effectRef>
+            <a:fontRef idx="minor">
+              <a:schemeClr val="lt1"/>
+            </a:fontRef>
+          </p:style>
+          <p:txBody>
+            <a:bodyPr rtlCol="0" anchor="ctr"/>
+            <a:lstStyle/>
+            <a:p>
+              <a:pPr algn="ctr"/>
+              <a:r>
+                <a:rPr lang="en-GB" sz="1400" dirty="0">
+                  <a:solidFill>
+                    <a:schemeClr val="tx1"/>
+                  </a:solidFill>
+                </a:rPr>
+                <a:t>Products</a:t>
+              </a:r>
+            </a:p>
+          </p:txBody>
+        </p:sp>
+        <p:sp>
+          <p:nvSpPr>
+            <p:cNvPr id="12" name="Rectangle 11">
+              <a:extLst>
+                <a:ext uri="{FF2B5EF4-FFF2-40B4-BE49-F238E27FC236}">
+                  <a16:creationId xmlns:a16="http://schemas.microsoft.com/office/drawing/2014/main" id="{02012216-1E5E-4332-9312-68ECFF645FEA}"/>
+                </a:ext>
+              </a:extLst>
+            </p:cNvPr>
+            <p:cNvSpPr/>
+            <p:nvPr/>
+          </p:nvSpPr>
+          <p:spPr>
+            <a:xfrm>
+              <a:off x="7665994" y="738099"/>
+              <a:ext cx="1080000" cy="540000"/>
+            </a:xfrm>
+            <a:prstGeom prst="rect">
+              <a:avLst/>
+            </a:prstGeom>
+            <a:noFill/>
+            <a:ln>
+              <a:noFill/>
+            </a:ln>
+          </p:spPr>
+          <p:style>
+            <a:lnRef idx="2">
+              <a:schemeClr val="accent1">
+                <a:shade val="50000"/>
+              </a:schemeClr>
+            </a:lnRef>
+            <a:fillRef idx="1">
+              <a:schemeClr val="accent1"/>
+            </a:fillRef>
+            <a:effectRef idx="0">
+              <a:schemeClr val="accent1"/>
+            </a:effectRef>
+            <a:fontRef idx="minor">
+              <a:schemeClr val="lt1"/>
+            </a:fontRef>
+          </p:style>
+          <p:txBody>
+            <a:bodyPr rtlCol="0" anchor="ctr"/>
+            <a:lstStyle/>
+            <a:p>
+              <a:pPr algn="ctr"/>
+              <a:r>
+                <a:rPr lang="en-GB" sz="1400" dirty="0">
+                  <a:solidFill>
+                    <a:schemeClr val="tx1"/>
+                  </a:solidFill>
+                </a:rPr>
+                <a:t>Contact Us</a:t>
+              </a:r>
+            </a:p>
+          </p:txBody>
+        </p:sp>
+      </p:grpSp>
+      <p:sp>
+        <p:nvSpPr>
+          <p:cNvPr id="4" name="TextBox 3">
+            <a:extLst>
+              <a:ext uri="{FF2B5EF4-FFF2-40B4-BE49-F238E27FC236}">
+                <a16:creationId xmlns:a16="http://schemas.microsoft.com/office/drawing/2014/main" id="{85D9CDC9-BF93-4AAD-A262-5762C476406D}"/>
+              </a:ext>
+            </a:extLst>
+          </p:cNvPr>
+          <p:cNvSpPr txBox="1"/>
+          <p:nvPr/>
+        </p:nvSpPr>
+        <p:spPr>
+          <a:xfrm>
+            <a:off x="0" y="-4207"/>
+            <a:ext cx="1959429" cy="369332"/>
+          </a:xfrm>
+          <a:prstGeom prst="rect">
+            <a:avLst/>
+          </a:prstGeom>
+          <a:noFill/>
+        </p:spPr>
+        <p:txBody>
+          <a:bodyPr wrap="square" rtlCol="0">
+            <a:spAutoFit/>
+          </a:bodyPr>
+          <a:lstStyle/>
+          <a:p>
+            <a:r>
+              <a:rPr lang="en-GB" dirty="0" err="1"/>
               <a:t>contact.php</a:t>
             </a:r>
             <a:endParaRPr lang="en-GB" dirty="0"/>
@@ -5135,211 +6759,232 @@
           </a:p>
         </p:txBody>
       </p:sp>
-      <p:sp>
-        <p:nvSpPr>
-          <p:cNvPr id="2" name="Rectangle: Rounded Corners 1">
-            <a:extLst>
-              <a:ext uri="{FF2B5EF4-FFF2-40B4-BE49-F238E27FC236}">
-                <a16:creationId xmlns:a16="http://schemas.microsoft.com/office/drawing/2014/main" id="{3C655092-F7D4-4C81-948A-7FFFF7A6BDAB}"/>
-              </a:ext>
-            </a:extLst>
-          </p:cNvPr>
-          <p:cNvSpPr/>
+      <p:grpSp>
+        <p:nvGrpSpPr>
+          <p:cNvPr id="6" name="Group 5">
+            <a:extLst>
+              <a:ext uri="{FF2B5EF4-FFF2-40B4-BE49-F238E27FC236}">
+                <a16:creationId xmlns:a16="http://schemas.microsoft.com/office/drawing/2014/main" id="{DF4D27F4-A338-494D-A3A7-0BED6C166C23}"/>
+              </a:ext>
+            </a:extLst>
+          </p:cNvPr>
+          <p:cNvGrpSpPr/>
           <p:nvPr/>
-        </p:nvSpPr>
-        <p:spPr>
+        </p:nvGrpSpPr>
+        <p:grpSpPr>
           <a:xfrm>
-            <a:off x="4896592" y="2011680"/>
-            <a:ext cx="540000" cy="540000"/>
+            <a:off x="5361296" y="2011680"/>
+            <a:ext cx="1469408" cy="1338451"/>
+            <a:chOff x="5826000" y="2011680"/>
+            <a:chExt cx="1469408" cy="1338451"/>
           </a:xfrm>
-          <a:prstGeom prst="roundRect">
-            <a:avLst>
-              <a:gd name="adj" fmla="val 26697"/>
-            </a:avLst>
-          </a:prstGeom>
-        </p:spPr>
-        <p:style>
-          <a:lnRef idx="2">
-            <a:schemeClr val="accent1">
-              <a:shade val="50000"/>
-            </a:schemeClr>
-          </a:lnRef>
-          <a:fillRef idx="1">
-            <a:schemeClr val="accent1"/>
-          </a:fillRef>
-          <a:effectRef idx="0">
-            <a:schemeClr val="accent1"/>
-          </a:effectRef>
-          <a:fontRef idx="minor">
-            <a:schemeClr val="lt1"/>
-          </a:fontRef>
-        </p:style>
-        <p:txBody>
-          <a:bodyPr rtlCol="0" anchor="ctr"/>
-          <a:lstStyle/>
-          <a:p>
-            <a:pPr algn="ctr"/>
-            <a:r>
-              <a:rPr lang="en-GB" sz="800" dirty="0"/>
-              <a:t>Twitter</a:t>
-            </a:r>
-          </a:p>
-        </p:txBody>
-      </p:sp>
-      <p:sp>
-        <p:nvSpPr>
-          <p:cNvPr id="19" name="Rectangle: Rounded Corners 18">
-            <a:extLst>
-              <a:ext uri="{FF2B5EF4-FFF2-40B4-BE49-F238E27FC236}">
-                <a16:creationId xmlns:a16="http://schemas.microsoft.com/office/drawing/2014/main" id="{A54EA574-26E7-466A-8208-AC6840C63B6C}"/>
-              </a:ext>
-            </a:extLst>
-          </p:cNvPr>
-          <p:cNvSpPr/>
-          <p:nvPr/>
-        </p:nvSpPr>
-        <p:spPr>
-          <a:xfrm>
-            <a:off x="5826000" y="2011680"/>
-            <a:ext cx="540000" cy="540000"/>
-          </a:xfrm>
-          <a:prstGeom prst="roundRect">
-            <a:avLst>
-              <a:gd name="adj" fmla="val 26697"/>
-            </a:avLst>
-          </a:prstGeom>
-        </p:spPr>
-        <p:style>
-          <a:lnRef idx="2">
-            <a:schemeClr val="accent1">
-              <a:shade val="50000"/>
-            </a:schemeClr>
-          </a:lnRef>
-          <a:fillRef idx="1">
-            <a:schemeClr val="accent1"/>
-          </a:fillRef>
-          <a:effectRef idx="0">
-            <a:schemeClr val="accent1"/>
-          </a:effectRef>
-          <a:fontRef idx="minor">
-            <a:schemeClr val="lt1"/>
-          </a:fontRef>
-        </p:style>
-        <p:txBody>
-          <a:bodyPr rtlCol="0" anchor="ctr"/>
-          <a:lstStyle/>
-          <a:p>
-            <a:pPr algn="ctr"/>
-            <a:r>
-              <a:rPr lang="en-GB" sz="800" dirty="0"/>
-              <a:t>Instagram</a:t>
-            </a:r>
-          </a:p>
-        </p:txBody>
-      </p:sp>
-      <p:sp>
-        <p:nvSpPr>
-          <p:cNvPr id="22" name="Rectangle: Rounded Corners 21">
-            <a:extLst>
-              <a:ext uri="{FF2B5EF4-FFF2-40B4-BE49-F238E27FC236}">
-                <a16:creationId xmlns:a16="http://schemas.microsoft.com/office/drawing/2014/main" id="{15AD0EB5-0865-4962-8F04-955AF31FD09E}"/>
-              </a:ext>
-            </a:extLst>
-          </p:cNvPr>
-          <p:cNvSpPr/>
-          <p:nvPr/>
-        </p:nvSpPr>
-        <p:spPr>
-          <a:xfrm>
-            <a:off x="6755408" y="2011680"/>
-            <a:ext cx="540000" cy="540000"/>
-          </a:xfrm>
-          <a:prstGeom prst="roundRect">
-            <a:avLst>
-              <a:gd name="adj" fmla="val 26697"/>
-            </a:avLst>
-          </a:prstGeom>
-        </p:spPr>
-        <p:style>
-          <a:lnRef idx="2">
-            <a:schemeClr val="accent1">
-              <a:shade val="50000"/>
-            </a:schemeClr>
-          </a:lnRef>
-          <a:fillRef idx="1">
-            <a:schemeClr val="accent1"/>
-          </a:fillRef>
-          <a:effectRef idx="0">
-            <a:schemeClr val="accent1"/>
-          </a:effectRef>
-          <a:fontRef idx="minor">
-            <a:schemeClr val="lt1"/>
-          </a:fontRef>
-        </p:style>
-        <p:txBody>
-          <a:bodyPr rtlCol="0" anchor="ctr"/>
-          <a:lstStyle/>
-          <a:p>
-            <a:pPr algn="ctr"/>
-            <a:r>
-              <a:rPr lang="en-GB" sz="800" dirty="0" err="1"/>
-              <a:t>FaceBook</a:t>
-            </a:r>
-            <a:endParaRPr lang="en-GB" sz="800" dirty="0"/>
-          </a:p>
-        </p:txBody>
-      </p:sp>
-      <p:sp>
-        <p:nvSpPr>
-          <p:cNvPr id="23" name="Rectangle: Rounded Corners 22">
-            <a:extLst>
-              <a:ext uri="{FF2B5EF4-FFF2-40B4-BE49-F238E27FC236}">
-                <a16:creationId xmlns:a16="http://schemas.microsoft.com/office/drawing/2014/main" id="{EE1608E8-1231-428D-815F-4D6FDD8407AF}"/>
-              </a:ext>
-            </a:extLst>
-          </p:cNvPr>
-          <p:cNvSpPr/>
-          <p:nvPr/>
-        </p:nvSpPr>
-        <p:spPr>
-          <a:xfrm>
-            <a:off x="5826000" y="2810131"/>
-            <a:ext cx="540000" cy="540000"/>
-          </a:xfrm>
-          <a:prstGeom prst="roundRect">
-            <a:avLst>
-              <a:gd name="adj" fmla="val 26697"/>
-            </a:avLst>
-          </a:prstGeom>
-        </p:spPr>
-        <p:style>
-          <a:lnRef idx="2">
-            <a:schemeClr val="accent1">
-              <a:shade val="50000"/>
-            </a:schemeClr>
-          </a:lnRef>
-          <a:fillRef idx="1">
-            <a:schemeClr val="accent1"/>
-          </a:fillRef>
-          <a:effectRef idx="0">
-            <a:schemeClr val="accent1"/>
-          </a:effectRef>
-          <a:fontRef idx="minor">
-            <a:schemeClr val="lt1"/>
-          </a:fontRef>
-        </p:style>
-        <p:txBody>
-          <a:bodyPr rtlCol="0" anchor="ctr"/>
-          <a:lstStyle/>
-          <a:p>
-            <a:pPr algn="ctr"/>
-            <a:r>
-              <a:rPr lang="en-GB" sz="800" dirty="0"/>
-              <a:t>Email</a:t>
-            </a:r>
-          </a:p>
-        </p:txBody>
-      </p:sp>
+        </p:grpSpPr>
+        <p:sp>
+          <p:nvSpPr>
+            <p:cNvPr id="2" name="Rectangle: Rounded Corners 1">
+              <a:extLst>
+                <a:ext uri="{FF2B5EF4-FFF2-40B4-BE49-F238E27FC236}">
+                  <a16:creationId xmlns:a16="http://schemas.microsoft.com/office/drawing/2014/main" id="{3C655092-F7D4-4C81-948A-7FFFF7A6BDAB}"/>
+                </a:ext>
+              </a:extLst>
+            </p:cNvPr>
+            <p:cNvSpPr/>
+            <p:nvPr/>
+          </p:nvSpPr>
+          <p:spPr>
+            <a:xfrm>
+              <a:off x="6755408" y="2810131"/>
+              <a:ext cx="540000" cy="540000"/>
+            </a:xfrm>
+            <a:prstGeom prst="roundRect">
+              <a:avLst>
+                <a:gd name="adj" fmla="val 26697"/>
+              </a:avLst>
+            </a:prstGeom>
+          </p:spPr>
+          <p:style>
+            <a:lnRef idx="2">
+              <a:schemeClr val="accent1">
+                <a:shade val="50000"/>
+              </a:schemeClr>
+            </a:lnRef>
+            <a:fillRef idx="1">
+              <a:schemeClr val="accent1"/>
+            </a:fillRef>
+            <a:effectRef idx="0">
+              <a:schemeClr val="accent1"/>
+            </a:effectRef>
+            <a:fontRef idx="minor">
+              <a:schemeClr val="lt1"/>
+            </a:fontRef>
+          </p:style>
+          <p:txBody>
+            <a:bodyPr rtlCol="0" anchor="ctr"/>
+            <a:lstStyle/>
+            <a:p>
+              <a:pPr algn="ctr"/>
+              <a:r>
+                <a:rPr lang="en-GB" sz="800" dirty="0"/>
+                <a:t>Twitter</a:t>
+              </a:r>
+            </a:p>
+          </p:txBody>
+        </p:sp>
+        <p:sp>
+          <p:nvSpPr>
+            <p:cNvPr id="19" name="Rectangle: Rounded Corners 18">
+              <a:extLst>
+                <a:ext uri="{FF2B5EF4-FFF2-40B4-BE49-F238E27FC236}">
+                  <a16:creationId xmlns:a16="http://schemas.microsoft.com/office/drawing/2014/main" id="{A54EA574-26E7-466A-8208-AC6840C63B6C}"/>
+                </a:ext>
+              </a:extLst>
+            </p:cNvPr>
+            <p:cNvSpPr/>
+            <p:nvPr/>
+          </p:nvSpPr>
+          <p:spPr>
+            <a:xfrm>
+              <a:off x="5826000" y="2011680"/>
+              <a:ext cx="540000" cy="540000"/>
+            </a:xfrm>
+            <a:prstGeom prst="roundRect">
+              <a:avLst>
+                <a:gd name="adj" fmla="val 26697"/>
+              </a:avLst>
+            </a:prstGeom>
+          </p:spPr>
+          <p:style>
+            <a:lnRef idx="2">
+              <a:schemeClr val="accent1">
+                <a:shade val="50000"/>
+              </a:schemeClr>
+            </a:lnRef>
+            <a:fillRef idx="1">
+              <a:schemeClr val="accent1"/>
+            </a:fillRef>
+            <a:effectRef idx="0">
+              <a:schemeClr val="accent1"/>
+            </a:effectRef>
+            <a:fontRef idx="minor">
+              <a:schemeClr val="lt1"/>
+            </a:fontRef>
+          </p:style>
+          <p:txBody>
+            <a:bodyPr rtlCol="0" anchor="ctr"/>
+            <a:lstStyle/>
+            <a:p>
+              <a:pPr algn="ctr"/>
+              <a:r>
+                <a:rPr lang="en-GB" sz="800" dirty="0"/>
+                <a:t>Instagram</a:t>
+              </a:r>
+            </a:p>
+          </p:txBody>
+        </p:sp>
+        <p:sp>
+          <p:nvSpPr>
+            <p:cNvPr id="22" name="Rectangle: Rounded Corners 21">
+              <a:extLst>
+                <a:ext uri="{FF2B5EF4-FFF2-40B4-BE49-F238E27FC236}">
+                  <a16:creationId xmlns:a16="http://schemas.microsoft.com/office/drawing/2014/main" id="{15AD0EB5-0865-4962-8F04-955AF31FD09E}"/>
+                </a:ext>
+              </a:extLst>
+            </p:cNvPr>
+            <p:cNvSpPr/>
+            <p:nvPr/>
+          </p:nvSpPr>
+          <p:spPr>
+            <a:xfrm>
+              <a:off x="6755408" y="2011680"/>
+              <a:ext cx="540000" cy="540000"/>
+            </a:xfrm>
+            <a:prstGeom prst="roundRect">
+              <a:avLst>
+                <a:gd name="adj" fmla="val 26697"/>
+              </a:avLst>
+            </a:prstGeom>
+          </p:spPr>
+          <p:style>
+            <a:lnRef idx="2">
+              <a:schemeClr val="accent1">
+                <a:shade val="50000"/>
+              </a:schemeClr>
+            </a:lnRef>
+            <a:fillRef idx="1">
+              <a:schemeClr val="accent1"/>
+            </a:fillRef>
+            <a:effectRef idx="0">
+              <a:schemeClr val="accent1"/>
+            </a:effectRef>
+            <a:fontRef idx="minor">
+              <a:schemeClr val="lt1"/>
+            </a:fontRef>
+          </p:style>
+          <p:txBody>
+            <a:bodyPr rtlCol="0" anchor="ctr"/>
+            <a:lstStyle/>
+            <a:p>
+              <a:pPr algn="ctr"/>
+              <a:r>
+                <a:rPr lang="en-GB" sz="800" dirty="0" err="1"/>
+                <a:t>FaceBook</a:t>
+              </a:r>
+              <a:endParaRPr lang="en-GB" sz="800" dirty="0"/>
+            </a:p>
+          </p:txBody>
+        </p:sp>
+        <p:sp>
+          <p:nvSpPr>
+            <p:cNvPr id="23" name="Rectangle: Rounded Corners 22">
+              <a:extLst>
+                <a:ext uri="{FF2B5EF4-FFF2-40B4-BE49-F238E27FC236}">
+                  <a16:creationId xmlns:a16="http://schemas.microsoft.com/office/drawing/2014/main" id="{EE1608E8-1231-428D-815F-4D6FDD8407AF}"/>
+                </a:ext>
+              </a:extLst>
+            </p:cNvPr>
+            <p:cNvSpPr/>
+            <p:nvPr/>
+          </p:nvSpPr>
+          <p:spPr>
+            <a:xfrm>
+              <a:off x="5826000" y="2810131"/>
+              <a:ext cx="540000" cy="540000"/>
+            </a:xfrm>
+            <a:prstGeom prst="roundRect">
+              <a:avLst>
+                <a:gd name="adj" fmla="val 26697"/>
+              </a:avLst>
+            </a:prstGeom>
+          </p:spPr>
+          <p:style>
+            <a:lnRef idx="2">
+              <a:schemeClr val="accent1">
+                <a:shade val="50000"/>
+              </a:schemeClr>
+            </a:lnRef>
+            <a:fillRef idx="1">
+              <a:schemeClr val="accent1"/>
+            </a:fillRef>
+            <a:effectRef idx="0">
+              <a:schemeClr val="accent1"/>
+            </a:effectRef>
+            <a:fontRef idx="minor">
+              <a:schemeClr val="lt1"/>
+            </a:fontRef>
+          </p:style>
+          <p:txBody>
+            <a:bodyPr rtlCol="0" anchor="ctr"/>
+            <a:lstStyle/>
+            <a:p>
+              <a:pPr algn="ctr"/>
+              <a:r>
+                <a:rPr lang="en-GB" sz="800" dirty="0"/>
+                <a:t>Email</a:t>
+              </a:r>
+            </a:p>
+          </p:txBody>
+        </p:sp>
+      </p:grpSp>
       <p:sp>
         <p:nvSpPr>
           <p:cNvPr id="3" name="TextBox 2">
@@ -5388,7 +7033,7 @@
 </p:sld>
 </file>
 
-<file path=ppt/slides/slide4.xml><?xml version="1.0" encoding="utf-8"?>
+<file path=ppt/slides/slide7.xml><?xml version="1.0" encoding="utf-8"?>
 <p:sld xmlns:a="http://schemas.openxmlformats.org/drawingml/2006/main" xmlns:r="http://schemas.openxmlformats.org/officeDocument/2006/relationships" xmlns:p="http://schemas.openxmlformats.org/presentationml/2006/main">
   <p:cSld>
     <p:spTree>
